--- a/EHRo.pptx
+++ b/EHRo.pptx
@@ -6,7 +6,7 @@
     <p:sldMasterId id="2147483674" r:id="rId5"/>
   </p:sldMasterIdLst>
   <p:notesMasterIdLst>
-    <p:notesMasterId r:id="rId22"/>
+    <p:notesMasterId r:id="rId23"/>
   </p:notesMasterIdLst>
   <p:sldIdLst>
     <p:sldId id="259" r:id="rId6"/>
@@ -24,35 +24,36 @@
     <p:sldId id="301" r:id="rId18"/>
     <p:sldId id="304" r:id="rId19"/>
     <p:sldId id="305" r:id="rId20"/>
-    <p:sldId id="302" r:id="rId21"/>
+    <p:sldId id="306" r:id="rId21"/>
+    <p:sldId id="302" r:id="rId22"/>
   </p:sldIdLst>
   <p:sldSz cx="9144000" cy="5143500" type="screen16x9"/>
   <p:notesSz cx="6858000" cy="9144000"/>
   <p:embeddedFontLst>
     <p:embeddedFont>
       <p:font typeface="Blinker" panose="020B0604020202020204" charset="0"/>
-      <p:regular r:id="rId23"/>
-      <p:bold r:id="rId24"/>
+      <p:regular r:id="rId24"/>
+      <p:bold r:id="rId25"/>
     </p:embeddedFont>
     <p:embeddedFont>
       <p:font typeface="Nunito Light" pitchFamily="2" charset="0"/>
-      <p:regular r:id="rId25"/>
-      <p:italic r:id="rId26"/>
+      <p:regular r:id="rId26"/>
+      <p:italic r:id="rId27"/>
     </p:embeddedFont>
     <p:embeddedFont>
       <p:font typeface="Proxima Nova" panose="020B0604020202020204" charset="0"/>
-      <p:regular r:id="rId27"/>
-      <p:bold r:id="rId28"/>
-      <p:italic r:id="rId29"/>
-      <p:boldItalic r:id="rId30"/>
+      <p:regular r:id="rId28"/>
+      <p:bold r:id="rId29"/>
+      <p:italic r:id="rId30"/>
+      <p:boldItalic r:id="rId31"/>
     </p:embeddedFont>
     <p:embeddedFont>
       <p:font typeface="Segoe UI Historic" panose="020B0502040204020203" pitchFamily="34" charset="0"/>
-      <p:regular r:id="rId31"/>
+      <p:regular r:id="rId32"/>
     </p:embeddedFont>
     <p:embeddedFont>
       <p:font typeface="Share Tech" panose="020B0604020202020204" charset="0"/>
-      <p:regular r:id="rId32"/>
+      <p:regular r:id="rId33"/>
     </p:embeddedFont>
   </p:embeddedFontLst>
   <p:defaultTextStyle>
@@ -284,6 +285,11 @@
       </a:defRPr>
     </a:lvl9pPr>
   </p:defaultTextStyle>
+  <p:extLst>
+    <p:ext uri="{EFAFB233-063F-42B5-8137-9DF3F51BA10A}">
+      <p15:sldGuideLst xmlns:p15="http://schemas.microsoft.com/office/powerpoint/2012/main"/>
+    </p:ext>
+  </p:extLst>
 </p:presentation>
 </file>
 
@@ -5737,7 +5743,7 @@
         </p:nvSpPr>
         <p:spPr>
           <a:xfrm>
-            <a:off x="3871452" y="1873399"/>
+            <a:off x="3928602" y="2023417"/>
             <a:ext cx="4294800" cy="2298300"/>
           </a:xfrm>
           <a:prstGeom prst="rect">
@@ -5781,21 +5787,7 @@
               <a:rPr lang="en-US" sz="2700" b="1" dirty="0"/>
               <a:t> Example.</a:t>
             </a:r>
-          </a:p>
-          <a:p>
-            <a:pPr marL="171450" indent="-171450"/>
-            <a:r>
-              <a:rPr lang="en-US" sz="2700" b="1" dirty="0" err="1"/>
-              <a:t>EHRs</a:t>
-            </a:r>
-            <a:r>
-              <a:rPr lang="en-US" sz="2700" b="1" dirty="0"/>
-              <a:t> Summary.</a:t>
-            </a:r>
-          </a:p>
-          <a:p>
-            <a:pPr marL="171450" indent="-171450"/>
-            <a:endParaRPr sz="2000" dirty="0"/>
+            <a:endParaRPr lang="en-US" sz="2000" b="1" dirty="0"/>
           </a:p>
         </p:txBody>
       </p:sp>
@@ -6578,6 +6570,130 @@
 </file>
 
 <file path=ppt/slides/slide16.xml><?xml version="1.0" encoding="utf-8"?>
+<p:sld xmlns:a="http://schemas.openxmlformats.org/drawingml/2006/main" xmlns:r="http://schemas.openxmlformats.org/officeDocument/2006/relationships" xmlns:p="http://schemas.openxmlformats.org/presentationml/2006/main">
+  <p:cSld>
+    <p:spTree>
+      <p:nvGrpSpPr>
+        <p:cNvPr id="1" name=""/>
+        <p:cNvGrpSpPr/>
+        <p:nvPr/>
+      </p:nvGrpSpPr>
+      <p:grpSpPr>
+        <a:xfrm>
+          <a:off x="0" y="0"/>
+          <a:ext cx="0" cy="0"/>
+          <a:chOff x="0" y="0"/>
+          <a:chExt cx="0" cy="0"/>
+        </a:xfrm>
+      </p:grpSpPr>
+      <p:sp>
+        <p:nvSpPr>
+          <p:cNvPr id="2" name="Title 1">
+            <a:extLst>
+              <a:ext uri="{FF2B5EF4-FFF2-40B4-BE49-F238E27FC236}">
+                <a16:creationId xmlns:a16="http://schemas.microsoft.com/office/drawing/2014/main" id="{5AD07E11-A3A8-6B9B-52F6-748AD9659E4C}"/>
+              </a:ext>
+            </a:extLst>
+          </p:cNvPr>
+          <p:cNvSpPr>
+            <a:spLocks noGrp="1"/>
+          </p:cNvSpPr>
+          <p:nvPr>
+            <p:ph type="title"/>
+          </p:nvPr>
+        </p:nvSpPr>
+        <p:spPr/>
+        <p:txBody>
+          <a:bodyPr/>
+          <a:lstStyle/>
+          <a:p>
+            <a:r>
+              <a:rPr lang="en-GB" sz="3600" b="1" dirty="0"/>
+              <a:t>CONCLUSION</a:t>
+            </a:r>
+            <a:br>
+              <a:rPr lang="en-GB" sz="3600" b="1" dirty="0"/>
+            </a:br>
+            <a:endParaRPr lang="en-GB" sz="3600" b="1" dirty="0"/>
+          </a:p>
+        </p:txBody>
+      </p:sp>
+      <p:sp>
+        <p:nvSpPr>
+          <p:cNvPr id="4" name="TextBox 3">
+            <a:extLst>
+              <a:ext uri="{FF2B5EF4-FFF2-40B4-BE49-F238E27FC236}">
+                <a16:creationId xmlns:a16="http://schemas.microsoft.com/office/drawing/2014/main" id="{B20198A5-7642-451E-D1DC-CF0CD7AEA05C}"/>
+              </a:ext>
+            </a:extLst>
+          </p:cNvPr>
+          <p:cNvSpPr txBox="1"/>
+          <p:nvPr/>
+        </p:nvSpPr>
+        <p:spPr>
+          <a:xfrm>
+            <a:off x="1350169" y="1464469"/>
+            <a:ext cx="5029200" cy="2893100"/>
+          </a:xfrm>
+          <a:prstGeom prst="rect">
+            <a:avLst/>
+          </a:prstGeom>
+          <a:noFill/>
+        </p:spPr>
+        <p:txBody>
+          <a:bodyPr wrap="square" rtlCol="0">
+            <a:spAutoFit/>
+          </a:bodyPr>
+          <a:lstStyle/>
+          <a:p>
+            <a:r>
+              <a:rPr lang="en-GB" sz="2600" b="0" i="0" dirty="0">
+                <a:solidFill>
+                  <a:srgbClr val="FFFFFF"/>
+                </a:solidFill>
+                <a:effectLst/>
+                <a:latin typeface="Segoe UI Historic" panose="020B0502040204020203" pitchFamily="34" charset="0"/>
+              </a:rPr>
+              <a:t>Real </a:t>
+            </a:r>
+            <a:r>
+              <a:rPr lang="en-GB" sz="2600" b="0" i="0" dirty="0" err="1">
+                <a:solidFill>
+                  <a:srgbClr val="FFFFFF"/>
+                </a:solidFill>
+                <a:effectLst/>
+                <a:latin typeface="Segoe UI Historic" panose="020B0502040204020203" pitchFamily="34" charset="0"/>
+              </a:rPr>
+              <a:t>EHR</a:t>
+            </a:r>
+            <a:r>
+              <a:rPr lang="en-GB" sz="2600" b="0" i="0" dirty="0">
+                <a:solidFill>
+                  <a:srgbClr val="FFFFFF"/>
+                </a:solidFill>
+                <a:effectLst/>
+                <a:latin typeface="Segoe UI Historic" panose="020B0502040204020203" pitchFamily="34" charset="0"/>
+              </a:rPr>
+              <a:t> data is highly sensitive and must be handled with the utmost care to protect patient privacy and comply with relevant regulations, such as the Health Insurance Portability and Accountability Act (HIPAA).</a:t>
+            </a:r>
+            <a:endParaRPr lang="en-GB" sz="2600" dirty="0"/>
+          </a:p>
+        </p:txBody>
+      </p:sp>
+    </p:spTree>
+    <p:extLst>
+      <p:ext uri="{BB962C8B-B14F-4D97-AF65-F5344CB8AC3E}">
+        <p14:creationId xmlns:p14="http://schemas.microsoft.com/office/powerpoint/2010/main" val="4149218544"/>
+      </p:ext>
+    </p:extLst>
+  </p:cSld>
+  <p:clrMapOvr>
+    <a:masterClrMapping/>
+  </p:clrMapOvr>
+</p:sld>
+</file>
+
+<file path=ppt/slides/slide17.xml><?xml version="1.0" encoding="utf-8"?>
 <p:sld xmlns:a="http://schemas.openxmlformats.org/drawingml/2006/main" xmlns:r="http://schemas.openxmlformats.org/officeDocument/2006/relationships" xmlns:p="http://schemas.openxmlformats.org/presentationml/2006/main">
   <p:cSld>
     <p:spTree>
@@ -9147,6 +9263,23 @@
 </file>
 
 <file path=customXml/item1.xml><?xml version="1.0" encoding="utf-8"?>
+<?mso-contentType ?>
+<FormTemplates xmlns="http://schemas.microsoft.com/sharepoint/v3/contenttype/forms">
+  <Display>DocumentLibraryForm</Display>
+  <Edit>DocumentLibraryForm</Edit>
+  <New>DocumentLibraryForm</New>
+</FormTemplates>
+</file>
+
+<file path=customXml/item2.xml><?xml version="1.0" encoding="utf-8"?>
+<p:properties xmlns:p="http://schemas.microsoft.com/office/2006/metadata/properties" xmlns:xsi="http://www.w3.org/2001/XMLSchema-instance" xmlns:pc="http://schemas.microsoft.com/office/infopath/2007/PartnerControls">
+  <documentManagement>
+    <_activity xmlns="1ff4c35d-dc87-43cc-97e3-e5f904b9685a" xsi:nil="true"/>
+  </documentManagement>
+</p:properties>
+</file>
+
+<file path=customXml/item3.xml><?xml version="1.0" encoding="utf-8"?>
 <ct:contentTypeSchema xmlns:ct="http://schemas.microsoft.com/office/2006/metadata/contentType" xmlns:ma="http://schemas.microsoft.com/office/2006/metadata/properties/metaAttributes" ct:_="" ma:_="" ma:contentTypeName="Document" ma:contentTypeID="0x010100D16B96524772684C83205DFC7A965962" ma:contentTypeVersion="7" ma:contentTypeDescription="Create a new document." ma:contentTypeScope="" ma:versionID="cbf8b98c27e9545c318a37a6ff23bf41">
   <xsd:schema xmlns:xsd="http://www.w3.org/2001/XMLSchema" xmlns:xs="http://www.w3.org/2001/XMLSchema" xmlns:p="http://schemas.microsoft.com/office/2006/metadata/properties" xmlns:ns3="1ff4c35d-dc87-43cc-97e3-e5f904b9685a" xmlns:ns4="639bb8fc-87c5-4780-a6bc-73749e7de743" targetNamespace="http://schemas.microsoft.com/office/2006/metadata/properties" ma:root="true" ma:fieldsID="e0122070705598137bcaeef72bbba2a2" ns3:_="" ns4:_="">
     <xsd:import namespace="1ff4c35d-dc87-43cc-97e3-e5f904b9685a"/>
@@ -9329,24 +9462,32 @@
 </ct:contentTypeSchema>
 </file>
 
-<file path=customXml/item2.xml><?xml version="1.0" encoding="utf-8"?>
-<?mso-contentType ?>
-<FormTemplates xmlns="http://schemas.microsoft.com/sharepoint/v3/contenttype/forms">
-  <Display>DocumentLibraryForm</Display>
-  <Edit>DocumentLibraryForm</Edit>
-  <New>DocumentLibraryForm</New>
-</FormTemplates>
+<file path=customXml/itemProps1.xml><?xml version="1.0" encoding="utf-8"?>
+<ds:datastoreItem xmlns:ds="http://schemas.openxmlformats.org/officeDocument/2006/customXml" ds:itemID="{862BA373-168E-44BF-A3A8-0FD6B22AC071}">
+  <ds:schemaRefs>
+    <ds:schemaRef ds:uri="http://schemas.microsoft.com/sharepoint/v3/contenttype/forms"/>
+  </ds:schemaRefs>
+</ds:datastoreItem>
 </file>
 
-<file path=customXml/item3.xml><?xml version="1.0" encoding="utf-8"?>
-<p:properties xmlns:p="http://schemas.microsoft.com/office/2006/metadata/properties" xmlns:xsi="http://www.w3.org/2001/XMLSchema-instance" xmlns:pc="http://schemas.microsoft.com/office/infopath/2007/PartnerControls">
-  <documentManagement>
-    <_activity xmlns="1ff4c35d-dc87-43cc-97e3-e5f904b9685a" xsi:nil="true"/>
-  </documentManagement>
-</p:properties>
+<file path=customXml/itemProps2.xml><?xml version="1.0" encoding="utf-8"?>
+<ds:datastoreItem xmlns:ds="http://schemas.openxmlformats.org/officeDocument/2006/customXml" ds:itemID="{9EB49B71-7FBD-41D8-BDA6-562869C10AF0}">
+  <ds:schemaRefs>
+    <ds:schemaRef ds:uri="639bb8fc-87c5-4780-a6bc-73749e7de743"/>
+    <ds:schemaRef ds:uri="http://schemas.microsoft.com/office/2006/metadata/properties"/>
+    <ds:schemaRef ds:uri="http://purl.org/dc/dcmitype/"/>
+    <ds:schemaRef ds:uri="http://schemas.openxmlformats.org/package/2006/metadata/core-properties"/>
+    <ds:schemaRef ds:uri="http://purl.org/dc/terms/"/>
+    <ds:schemaRef ds:uri="http://purl.org/dc/elements/1.1/"/>
+    <ds:schemaRef ds:uri="http://schemas.microsoft.com/office/2006/documentManagement/types"/>
+    <ds:schemaRef ds:uri="http://schemas.microsoft.com/office/infopath/2007/PartnerControls"/>
+    <ds:schemaRef ds:uri="1ff4c35d-dc87-43cc-97e3-e5f904b9685a"/>
+    <ds:schemaRef ds:uri="http://www.w3.org/XML/1998/namespace"/>
+  </ds:schemaRefs>
+</ds:datastoreItem>
 </file>
 
-<file path=customXml/itemProps1.xml><?xml version="1.0" encoding="utf-8"?>
+<file path=customXml/itemProps3.xml><?xml version="1.0" encoding="utf-8"?>
 <ds:datastoreItem xmlns:ds="http://schemas.openxmlformats.org/officeDocument/2006/customXml" ds:itemID="{FCC121C2-5141-4D30-8DC0-BD83D09FFE08}">
   <ds:schemaRefs>
     <ds:schemaRef ds:uri="http://schemas.microsoft.com/office/2006/metadata/contentType"/>
@@ -9363,29 +9504,4 @@
     <ds:schemaRef ds:uri="http://schemas.microsoft.com/internal/obd"/>
   </ds:schemaRefs>
 </ds:datastoreItem>
-</file>
-
-<file path=customXml/itemProps2.xml><?xml version="1.0" encoding="utf-8"?>
-<ds:datastoreItem xmlns:ds="http://schemas.openxmlformats.org/officeDocument/2006/customXml" ds:itemID="{862BA373-168E-44BF-A3A8-0FD6B22AC071}">
-  <ds:schemaRefs>
-    <ds:schemaRef ds:uri="http://schemas.microsoft.com/sharepoint/v3/contenttype/forms"/>
-  </ds:schemaRefs>
-</ds:datastoreItem>
-</file>
-
-<file path=customXml/itemProps3.xml><?xml version="1.0" encoding="utf-8"?>
-<ds:datastoreItem xmlns:ds="http://schemas.openxmlformats.org/officeDocument/2006/customXml" ds:itemID="{9EB49B71-7FBD-41D8-BDA6-562869C10AF0}">
-  <ds:schemaRefs>
-    <ds:schemaRef ds:uri="639bb8fc-87c5-4780-a6bc-73749e7de743"/>
-    <ds:schemaRef ds:uri="http://schemas.microsoft.com/office/2006/metadata/properties"/>
-    <ds:schemaRef ds:uri="http://purl.org/dc/dcmitype/"/>
-    <ds:schemaRef ds:uri="http://schemas.openxmlformats.org/package/2006/metadata/core-properties"/>
-    <ds:schemaRef ds:uri="http://purl.org/dc/terms/"/>
-    <ds:schemaRef ds:uri="http://purl.org/dc/elements/1.1/"/>
-    <ds:schemaRef ds:uri="http://schemas.microsoft.com/office/2006/documentManagement/types"/>
-    <ds:schemaRef ds:uri="http://schemas.microsoft.com/office/infopath/2007/PartnerControls"/>
-    <ds:schemaRef ds:uri="1ff4c35d-dc87-43cc-97e3-e5f904b9685a"/>
-    <ds:schemaRef ds:uri="http://www.w3.org/XML/1998/namespace"/>
-  </ds:schemaRefs>
-</ds:datastoreItem>
 </file>
--- a/EHRo.pptx
+++ b/EHRo.pptx
@@ -6,54 +6,55 @@
     <p:sldMasterId id="2147483674" r:id="rId5"/>
   </p:sldMasterIdLst>
   <p:notesMasterIdLst>
-    <p:notesMasterId r:id="rId23"/>
+    <p:notesMasterId r:id="rId24"/>
   </p:notesMasterIdLst>
   <p:sldIdLst>
     <p:sldId id="259" r:id="rId6"/>
     <p:sldId id="279" r:id="rId7"/>
     <p:sldId id="280" r:id="rId8"/>
-    <p:sldId id="281" r:id="rId9"/>
-    <p:sldId id="282" r:id="rId10"/>
-    <p:sldId id="283" r:id="rId11"/>
-    <p:sldId id="297" r:id="rId12"/>
-    <p:sldId id="284" r:id="rId13"/>
-    <p:sldId id="298" r:id="rId14"/>
-    <p:sldId id="299" r:id="rId15"/>
-    <p:sldId id="285" r:id="rId16"/>
-    <p:sldId id="300" r:id="rId17"/>
-    <p:sldId id="301" r:id="rId18"/>
-    <p:sldId id="304" r:id="rId19"/>
-    <p:sldId id="305" r:id="rId20"/>
-    <p:sldId id="306" r:id="rId21"/>
-    <p:sldId id="302" r:id="rId22"/>
+    <p:sldId id="307" r:id="rId9"/>
+    <p:sldId id="281" r:id="rId10"/>
+    <p:sldId id="282" r:id="rId11"/>
+    <p:sldId id="283" r:id="rId12"/>
+    <p:sldId id="297" r:id="rId13"/>
+    <p:sldId id="284" r:id="rId14"/>
+    <p:sldId id="298" r:id="rId15"/>
+    <p:sldId id="299" r:id="rId16"/>
+    <p:sldId id="285" r:id="rId17"/>
+    <p:sldId id="300" r:id="rId18"/>
+    <p:sldId id="301" r:id="rId19"/>
+    <p:sldId id="304" r:id="rId20"/>
+    <p:sldId id="305" r:id="rId21"/>
+    <p:sldId id="306" r:id="rId22"/>
+    <p:sldId id="302" r:id="rId23"/>
   </p:sldIdLst>
   <p:sldSz cx="9144000" cy="5143500" type="screen16x9"/>
   <p:notesSz cx="6858000" cy="9144000"/>
   <p:embeddedFontLst>
     <p:embeddedFont>
       <p:font typeface="Blinker" panose="020B0604020202020204" charset="0"/>
-      <p:regular r:id="rId24"/>
-      <p:bold r:id="rId25"/>
+      <p:regular r:id="rId25"/>
+      <p:bold r:id="rId26"/>
     </p:embeddedFont>
     <p:embeddedFont>
       <p:font typeface="Nunito Light" pitchFamily="2" charset="0"/>
-      <p:regular r:id="rId26"/>
-      <p:italic r:id="rId27"/>
+      <p:regular r:id="rId27"/>
+      <p:italic r:id="rId28"/>
     </p:embeddedFont>
     <p:embeddedFont>
       <p:font typeface="Proxima Nova" panose="020B0604020202020204" charset="0"/>
-      <p:regular r:id="rId28"/>
-      <p:bold r:id="rId29"/>
-      <p:italic r:id="rId30"/>
-      <p:boldItalic r:id="rId31"/>
+      <p:regular r:id="rId29"/>
+      <p:bold r:id="rId30"/>
+      <p:italic r:id="rId31"/>
+      <p:boldItalic r:id="rId32"/>
     </p:embeddedFont>
     <p:embeddedFont>
       <p:font typeface="Segoe UI Historic" panose="020B0502040204020203" pitchFamily="34" charset="0"/>
-      <p:regular r:id="rId32"/>
+      <p:regular r:id="rId33"/>
     </p:embeddedFont>
     <p:embeddedFont>
       <p:font typeface="Share Tech" panose="020B0604020202020204" charset="0"/>
-      <p:regular r:id="rId33"/>
+      <p:regular r:id="rId34"/>
     </p:embeddedFont>
   </p:embeddedFontLst>
   <p:defaultTextStyle>
@@ -5785,6 +5786,25 @@
             </a:r>
             <a:r>
               <a:rPr lang="en-US" sz="2700" b="1" dirty="0"/>
+              <a:t> VS </a:t>
+            </a:r>
+            <a:r>
+              <a:rPr lang="en-US" sz="2700" b="1" dirty="0" err="1"/>
+              <a:t>EMRs</a:t>
+            </a:r>
+            <a:r>
+              <a:rPr lang="en-US" sz="2700" b="1" dirty="0"/>
+              <a:t>.</a:t>
+            </a:r>
+          </a:p>
+          <a:p>
+            <a:pPr marL="171450" indent="-171450"/>
+            <a:r>
+              <a:rPr lang="en-US" sz="2700" b="1" dirty="0" err="1"/>
+              <a:t>EHRs</a:t>
+            </a:r>
+            <a:r>
+              <a:rPr lang="en-US" sz="2700" b="1" dirty="0"/>
               <a:t> Example.</a:t>
             </a:r>
             <a:endParaRPr lang="en-US" sz="2000" b="1" dirty="0"/>
@@ -5863,6 +5883,83 @@
           <a:chExt cx="0" cy="0"/>
         </a:xfrm>
       </p:grpSpPr>
+      <p:pic>
+        <p:nvPicPr>
+          <p:cNvPr id="4098" name="Picture 2" descr="Cloud-Based Architecture to Implement Electronic Health Record (EHR) System  in Pakistan | Semantic Scholar">
+            <a:extLst>
+              <a:ext uri="{FF2B5EF4-FFF2-40B4-BE49-F238E27FC236}">
+                <a16:creationId xmlns:a16="http://schemas.microsoft.com/office/drawing/2014/main" id="{59EB747F-35B2-5EC8-DC8F-C78AF0EDFCF5}"/>
+              </a:ext>
+            </a:extLst>
+          </p:cNvPr>
+          <p:cNvPicPr>
+            <a:picLocks noChangeAspect="1" noChangeArrowheads="1"/>
+          </p:cNvPicPr>
+          <p:nvPr/>
+        </p:nvPicPr>
+        <p:blipFill>
+          <a:blip r:embed="rId2">
+            <a:extLst>
+              <a:ext uri="{28A0092B-C50C-407E-A947-70E740481C1C}">
+                <a14:useLocalDpi xmlns:a14="http://schemas.microsoft.com/office/drawing/2010/main" val="0"/>
+              </a:ext>
+            </a:extLst>
+          </a:blip>
+          <a:srcRect/>
+          <a:stretch>
+            <a:fillRect/>
+          </a:stretch>
+        </p:blipFill>
+        <p:spPr bwMode="auto">
+          <a:xfrm>
+            <a:off x="0" y="0"/>
+            <a:ext cx="9144000" cy="5143499"/>
+          </a:xfrm>
+          <a:prstGeom prst="rect">
+            <a:avLst/>
+          </a:prstGeom>
+          <a:noFill/>
+          <a:extLst>
+            <a:ext uri="{909E8E84-426E-40DD-AFC4-6F175D3DCCD1}">
+              <a14:hiddenFill xmlns:a14="http://schemas.microsoft.com/office/drawing/2010/main">
+                <a:solidFill>
+                  <a:srgbClr val="FFFFFF"/>
+                </a:solidFill>
+              </a14:hiddenFill>
+            </a:ext>
+          </a:extLst>
+        </p:spPr>
+      </p:pic>
+    </p:spTree>
+    <p:extLst>
+      <p:ext uri="{BB962C8B-B14F-4D97-AF65-F5344CB8AC3E}">
+        <p14:creationId xmlns:p14="http://schemas.microsoft.com/office/powerpoint/2010/main" val="2493732195"/>
+      </p:ext>
+    </p:extLst>
+  </p:cSld>
+  <p:clrMapOvr>
+    <a:masterClrMapping/>
+  </p:clrMapOvr>
+</p:sld>
+</file>
+
+<file path=ppt/slides/slide11.xml><?xml version="1.0" encoding="utf-8"?>
+<p:sld xmlns:a="http://schemas.openxmlformats.org/drawingml/2006/main" xmlns:r="http://schemas.openxmlformats.org/officeDocument/2006/relationships" xmlns:p="http://schemas.openxmlformats.org/presentationml/2006/main">
+  <p:cSld>
+    <p:spTree>
+      <p:nvGrpSpPr>
+        <p:cNvPr id="1" name=""/>
+        <p:cNvGrpSpPr/>
+        <p:nvPr/>
+      </p:nvGrpSpPr>
+      <p:grpSpPr>
+        <a:xfrm>
+          <a:off x="0" y="0"/>
+          <a:ext cx="0" cy="0"/>
+          <a:chOff x="0" y="0"/>
+          <a:chExt cx="0" cy="0"/>
+        </a:xfrm>
+      </p:grpSpPr>
       <p:sp>
         <p:nvSpPr>
           <p:cNvPr id="2" name="Title 1">
@@ -5984,7 +6081,7 @@
 </p:sld>
 </file>
 
-<file path=ppt/slides/slide11.xml><?xml version="1.0" encoding="utf-8"?>
+<file path=ppt/slides/slide12.xml><?xml version="1.0" encoding="utf-8"?>
 <p:sld xmlns:a="http://schemas.openxmlformats.org/drawingml/2006/main" xmlns:r="http://schemas.openxmlformats.org/officeDocument/2006/relationships" xmlns:p="http://schemas.openxmlformats.org/presentationml/2006/main">
   <p:cSld>
     <p:spTree>
@@ -6056,7 +6153,7 @@
 </p:sld>
 </file>
 
-<file path=ppt/slides/slide12.xml><?xml version="1.0" encoding="utf-8"?>
+<file path=ppt/slides/slide13.xml><?xml version="1.0" encoding="utf-8"?>
 <p:sld xmlns:a="http://schemas.openxmlformats.org/drawingml/2006/main" xmlns:r="http://schemas.openxmlformats.org/officeDocument/2006/relationships" xmlns:p="http://schemas.openxmlformats.org/presentationml/2006/main">
   <p:cSld>
     <p:spTree>
@@ -6124,7 +6221,7 @@
         <p:spPr>
           <a:xfrm>
             <a:off x="1100136" y="1443038"/>
-            <a:ext cx="5164933" cy="2708434"/>
+            <a:ext cx="5164933" cy="2339102"/>
           </a:xfrm>
           <a:prstGeom prst="rect">
             <a:avLst/>
@@ -6165,27 +6262,7 @@
                 <a:effectLst/>
                 <a:latin typeface="Segoe UI Historic" panose="020B0502040204020203" pitchFamily="34" charset="0"/>
               </a:rPr>
-              <a:t> While not standalone </a:t>
-            </a:r>
-            <a:r>
-              <a:rPr lang="en-GB" sz="2400" b="0" i="0" dirty="0" err="1">
-                <a:solidFill>
-                  <a:srgbClr val="E4E6EB"/>
-                </a:solidFill>
-                <a:effectLst/>
-                <a:latin typeface="Segoe UI Historic" panose="020B0502040204020203" pitchFamily="34" charset="0"/>
-              </a:rPr>
-              <a:t>EHRs</a:t>
-            </a:r>
-            <a:r>
-              <a:rPr lang="en-GB" sz="2400" b="0" i="0" dirty="0">
-                <a:solidFill>
-                  <a:srgbClr val="E4E6EB"/>
-                </a:solidFill>
-                <a:effectLst/>
-                <a:latin typeface="Segoe UI Historic" panose="020B0502040204020203" pitchFamily="34" charset="0"/>
-              </a:rPr>
-              <a:t>, patient portals are interfaces that allow patients to access their health records, communicate with healthcare providers, schedule appointments, and view lab results securely.</a:t>
+              <a:t> patient portals are interfaces that allow patients to access their health records, communicate with healthcare providers, schedule appointments, and view lab results securely.</a:t>
             </a:r>
             <a:endParaRPr lang="en-GB" sz="2400" dirty="0"/>
           </a:p>
@@ -6204,7 +6281,7 @@
 </p:sld>
 </file>
 
-<file path=ppt/slides/slide13.xml><?xml version="1.0" encoding="utf-8"?>
+<file path=ppt/slides/slide14.xml><?xml version="1.0" encoding="utf-8"?>
 <p:sld xmlns:a="http://schemas.openxmlformats.org/drawingml/2006/main" xmlns:r="http://schemas.openxmlformats.org/officeDocument/2006/relationships" xmlns:p="http://schemas.openxmlformats.org/presentationml/2006/main">
   <p:cSld>
     <p:spTree>
@@ -6264,7 +6341,7 @@
 </p:sld>
 </file>
 
-<file path=ppt/slides/slide14.xml><?xml version="1.0" encoding="utf-8"?>
+<file path=ppt/slides/slide15.xml><?xml version="1.0" encoding="utf-8"?>
 <p:sld xmlns:a="http://schemas.openxmlformats.org/drawingml/2006/main" xmlns:r="http://schemas.openxmlformats.org/officeDocument/2006/relationships" xmlns:p="http://schemas.openxmlformats.org/presentationml/2006/main">
   <p:cSld>
     <p:spTree>
@@ -6329,7 +6406,7 @@
         <p:spPr>
           <a:xfrm>
             <a:off x="1064419" y="1435894"/>
-            <a:ext cx="5715000" cy="2893100"/>
+            <a:ext cx="5715000" cy="2523768"/>
           </a:xfrm>
           <a:prstGeom prst="rect">
             <a:avLst/>
@@ -6394,11 +6471,10 @@
             <a:r>
               <a:rPr lang="en-GB" sz="2600" dirty="0">
                 <a:solidFill>
-                  <a:srgbClr val="FFFFFF"/>
-                </a:solidFill>
-                <a:latin typeface="Segoe UI Historic" panose="020B0502040204020203" pitchFamily="34" charset="0"/>
+                  <a:schemeClr val="bg1"/>
+                </a:solidFill>
               </a:rPr>
-              <a:t>ENCOUNTER.</a:t>
+              <a:t>LABORATORY COMPLETE.</a:t>
             </a:r>
           </a:p>
           <a:p>
@@ -6407,12 +6483,14 @@
               <a:buChar char="•"/>
             </a:pPr>
             <a:r>
-              <a:rPr lang="en-GB" sz="2600" dirty="0">
-                <a:solidFill>
-                  <a:schemeClr val="bg1"/>
-                </a:solidFill>
+              <a:rPr lang="en-GB" sz="2800" b="0" i="0" dirty="0">
+                <a:solidFill>
+                  <a:srgbClr val="FFFFFF"/>
+                </a:solidFill>
+                <a:effectLst/>
+                <a:latin typeface="Segoe UI Historic" panose="020B0502040204020203" pitchFamily="34" charset="0"/>
               </a:rPr>
-              <a:t>LABORATORY COMPLETE.</a:t>
+              <a:t>ALLERGIES.</a:t>
             </a:r>
           </a:p>
           <a:p>
@@ -6423,45 +6501,21 @@
             <a:r>
               <a:rPr lang="en-GB" sz="2600" dirty="0">
                 <a:solidFill>
-                  <a:schemeClr val="bg1"/>
-                </a:solidFill>
-              </a:rPr>
-              <a:t>RESPIRATORY INFECTION.</a:t>
-            </a:r>
-          </a:p>
-          <a:p>
-            <a:pPr marL="285750" indent="-285750">
-              <a:buFont typeface="Arial" panose="020B0604020202020204" pitchFamily="34" charset="0"/>
-              <a:buChar char="•"/>
-            </a:pPr>
-            <a:r>
-              <a:rPr lang="en-GB" sz="2600" dirty="0" err="1">
-                <a:solidFill>
                   <a:srgbClr val="FFFFFF"/>
                 </a:solidFill>
                 <a:latin typeface="Segoe UI Historic" panose="020B0502040204020203" pitchFamily="34" charset="0"/>
               </a:rPr>
-              <a:t>LMMUNIZATI</a:t>
-            </a:r>
-            <a:r>
-              <a:rPr lang="en-GB" sz="2600" b="0" i="0" dirty="0" err="1">
+              <a:t>IMMUNIZATI</a:t>
+            </a:r>
+            <a:r>
+              <a:rPr lang="en-GB" sz="2600" b="0" i="0" dirty="0">
                 <a:solidFill>
                   <a:srgbClr val="FFFFFF"/>
                 </a:solidFill>
                 <a:effectLst/>
                 <a:latin typeface="Segoe UI Historic" panose="020B0502040204020203" pitchFamily="34" charset="0"/>
               </a:rPr>
-              <a:t>ONS</a:t>
-            </a:r>
-            <a:r>
-              <a:rPr lang="en-GB" sz="2600" b="0" i="0" dirty="0">
-                <a:solidFill>
-                  <a:srgbClr val="FFFFFF"/>
-                </a:solidFill>
-                <a:effectLst/>
-                <a:latin typeface="Segoe UI Historic" panose="020B0502040204020203" pitchFamily="34" charset="0"/>
-              </a:rPr>
-              <a:t>.</a:t>
+              <a:t>ONS.</a:t>
             </a:r>
             <a:endParaRPr lang="en-GB" sz="2600" dirty="0">
               <a:solidFill>
@@ -6484,7 +6538,7 @@
 </p:sld>
 </file>
 
-<file path=ppt/slides/slide15.xml><?xml version="1.0" encoding="utf-8"?>
+<file path=ppt/slides/slide16.xml><?xml version="1.0" encoding="utf-8"?>
 <p:sld xmlns:a="http://schemas.openxmlformats.org/drawingml/2006/main" xmlns:r="http://schemas.openxmlformats.org/officeDocument/2006/relationships" xmlns:p="http://schemas.openxmlformats.org/presentationml/2006/main">
   <p:cSld>
     <p:spTree>
@@ -6569,7 +6623,7 @@
 </p:sld>
 </file>
 
-<file path=ppt/slides/slide16.xml><?xml version="1.0" encoding="utf-8"?>
+<file path=ppt/slides/slide17.xml><?xml version="1.0" encoding="utf-8"?>
 <p:sld xmlns:a="http://schemas.openxmlformats.org/drawingml/2006/main" xmlns:r="http://schemas.openxmlformats.org/officeDocument/2006/relationships" xmlns:p="http://schemas.openxmlformats.org/presentationml/2006/main">
   <p:cSld>
     <p:spTree>
@@ -6693,7 +6747,7 @@
 </p:sld>
 </file>
 
-<file path=ppt/slides/slide17.xml><?xml version="1.0" encoding="utf-8"?>
+<file path=ppt/slides/slide18.xml><?xml version="1.0" encoding="utf-8"?>
 <p:sld xmlns:a="http://schemas.openxmlformats.org/drawingml/2006/main" xmlns:r="http://schemas.openxmlformats.org/officeDocument/2006/relationships" xmlns:p="http://schemas.openxmlformats.org/presentationml/2006/main">
   <p:cSld>
     <p:spTree>
@@ -6984,7 +7038,33 @@
                 <a:effectLst/>
                 <a:latin typeface="Segoe UI Historic" panose="020B0502040204020203" pitchFamily="34" charset="0"/>
               </a:rPr>
-              <a:t>) is a digital version of a patient's paper chart. It contains the patient's medical history, diagnoses, medications, treatment plans, immunization dates, allergies, radiology images, and laboratory test results, among other essential health information. The </a:t>
+              <a:t>) is a digital version of a patient's paper chart. It contains the patient's medical history, diagnoses, medications, treatment plans, immunization dates, allergies, radiology images, and laboratory test results.</a:t>
+            </a:r>
+          </a:p>
+          <a:p>
+            <a:pPr marL="285750" lvl="0" indent="-285750" algn="l" rtl="0">
+              <a:spcBef>
+                <a:spcPts val="0"/>
+              </a:spcBef>
+              <a:spcAft>
+                <a:spcPts val="0"/>
+              </a:spcAft>
+              <a:buClr>
+                <a:srgbClr val="0E2A47"/>
+              </a:buClr>
+              <a:buSzPts val="1100"/>
+              <a:buFont typeface="Arial" panose="020B0604020202020204" pitchFamily="34" charset="0"/>
+              <a:buChar char="•"/>
+            </a:pPr>
+            <a:r>
+              <a:rPr lang="en-GB" sz="2000" b="0" i="0" dirty="0">
+                <a:solidFill>
+                  <a:srgbClr val="FFFFFF"/>
+                </a:solidFill>
+                <a:effectLst/>
+                <a:latin typeface="Segoe UI Historic" panose="020B0502040204020203" pitchFamily="34" charset="0"/>
+              </a:rPr>
+              <a:t>The </a:t>
             </a:r>
             <a:r>
               <a:rPr lang="en-GB" sz="2000" b="0" i="0" dirty="0" err="1">
@@ -7182,7 +7262,7 @@
                 <a:effectLst/>
                 <a:latin typeface="inherit"/>
               </a:rPr>
-              <a:t>), is a digital version of a patient's comprehensive health information. It is a real-time, patient-</a:t>
+              <a:t>). It is a real-time, patient-</a:t>
             </a:r>
             <a:r>
               <a:rPr lang="en-GB" sz="2400" b="0" i="0" dirty="0" err="1">
@@ -7278,6 +7358,229 @@
 </file>
 
 <file path=ppt/slides/slide4.xml><?xml version="1.0" encoding="utf-8"?>
+<p:sld xmlns:a="http://schemas.openxmlformats.org/drawingml/2006/main" xmlns:r="http://schemas.openxmlformats.org/officeDocument/2006/relationships" xmlns:p="http://schemas.openxmlformats.org/presentationml/2006/main">
+  <p:cSld>
+    <p:spTree>
+      <p:nvGrpSpPr>
+        <p:cNvPr id="1" name=""/>
+        <p:cNvGrpSpPr/>
+        <p:nvPr/>
+      </p:nvGrpSpPr>
+      <p:grpSpPr>
+        <a:xfrm>
+          <a:off x="0" y="0"/>
+          <a:ext cx="0" cy="0"/>
+          <a:chOff x="0" y="0"/>
+          <a:chExt cx="0" cy="0"/>
+        </a:xfrm>
+      </p:grpSpPr>
+      <p:sp>
+        <p:nvSpPr>
+          <p:cNvPr id="2" name="Title 1">
+            <a:extLst>
+              <a:ext uri="{FF2B5EF4-FFF2-40B4-BE49-F238E27FC236}">
+                <a16:creationId xmlns:a16="http://schemas.microsoft.com/office/drawing/2014/main" id="{04857B06-7E56-6F69-8DC2-F86AC71E60D2}"/>
+              </a:ext>
+            </a:extLst>
+          </p:cNvPr>
+          <p:cNvSpPr>
+            <a:spLocks noGrp="1"/>
+          </p:cNvSpPr>
+          <p:nvPr>
+            <p:ph type="title"/>
+          </p:nvPr>
+        </p:nvSpPr>
+        <p:spPr/>
+        <p:txBody>
+          <a:bodyPr/>
+          <a:lstStyle/>
+          <a:p>
+            <a:r>
+              <a:rPr lang="en-GB" sz="3600" b="1" dirty="0" err="1"/>
+              <a:t>EHRs</a:t>
+            </a:r>
+            <a:r>
+              <a:rPr lang="en-GB" sz="3600" b="1" dirty="0"/>
+              <a:t> VS </a:t>
+            </a:r>
+            <a:r>
+              <a:rPr lang="en-GB" sz="3600" b="1" dirty="0" err="1"/>
+              <a:t>EMRs</a:t>
+            </a:r>
+            <a:endParaRPr lang="en-GB" sz="3600" b="1" dirty="0"/>
+          </a:p>
+        </p:txBody>
+      </p:sp>
+      <p:sp>
+        <p:nvSpPr>
+          <p:cNvPr id="3" name="TextBox 2">
+            <a:extLst>
+              <a:ext uri="{FF2B5EF4-FFF2-40B4-BE49-F238E27FC236}">
+                <a16:creationId xmlns:a16="http://schemas.microsoft.com/office/drawing/2014/main" id="{88A6A69A-DD06-513B-E8AF-53CD00460B08}"/>
+              </a:ext>
+            </a:extLst>
+          </p:cNvPr>
+          <p:cNvSpPr txBox="1"/>
+          <p:nvPr/>
+        </p:nvSpPr>
+        <p:spPr>
+          <a:xfrm>
+            <a:off x="1151114" y="1592580"/>
+            <a:ext cx="7345185" cy="3416320"/>
+          </a:xfrm>
+          <a:prstGeom prst="rect">
+            <a:avLst/>
+          </a:prstGeom>
+          <a:noFill/>
+        </p:spPr>
+        <p:txBody>
+          <a:bodyPr wrap="square" rtlCol="0">
+            <a:spAutoFit/>
+          </a:bodyPr>
+          <a:lstStyle/>
+          <a:p>
+            <a:r>
+              <a:rPr lang="en-GB" sz="2400" b="0" i="0" dirty="0">
+                <a:solidFill>
+                  <a:schemeClr val="bg1"/>
+                </a:solidFill>
+                <a:effectLst/>
+                <a:latin typeface="Helvetica Neue"/>
+                <a:cs typeface="Helvetica Neue"/>
+              </a:rPr>
+              <a:t>The ability to share complete information instantly is one of the main differences between an </a:t>
+            </a:r>
+            <a:r>
+              <a:rPr lang="en-GB" sz="2400" b="0" i="0" dirty="0" err="1">
+                <a:solidFill>
+                  <a:schemeClr val="bg1"/>
+                </a:solidFill>
+                <a:effectLst/>
+                <a:latin typeface="Helvetica Neue"/>
+                <a:cs typeface="Helvetica Neue"/>
+              </a:rPr>
+              <a:t>EMR</a:t>
+            </a:r>
+            <a:r>
+              <a:rPr lang="en-GB" sz="2400" b="0" i="0" dirty="0">
+                <a:solidFill>
+                  <a:schemeClr val="bg1"/>
+                </a:solidFill>
+                <a:effectLst/>
+                <a:latin typeface="Helvetica Neue"/>
+                <a:cs typeface="Helvetica Neue"/>
+              </a:rPr>
+              <a:t> and an </a:t>
+            </a:r>
+            <a:r>
+              <a:rPr lang="en-GB" sz="2400" b="0" i="0" dirty="0" err="1">
+                <a:solidFill>
+                  <a:schemeClr val="bg1"/>
+                </a:solidFill>
+                <a:effectLst/>
+                <a:latin typeface="Helvetica Neue"/>
+                <a:cs typeface="Helvetica Neue"/>
+              </a:rPr>
+              <a:t>EHR</a:t>
+            </a:r>
+            <a:r>
+              <a:rPr lang="en-GB" sz="2400" b="0" i="0" dirty="0">
+                <a:solidFill>
+                  <a:schemeClr val="bg1"/>
+                </a:solidFill>
+                <a:effectLst/>
+                <a:latin typeface="Helvetica Neue"/>
+                <a:cs typeface="Helvetica Neue"/>
+              </a:rPr>
+              <a:t>. An </a:t>
+            </a:r>
+            <a:r>
+              <a:rPr lang="en-GB" sz="2400" b="0" i="0" dirty="0" err="1">
+                <a:solidFill>
+                  <a:schemeClr val="bg1"/>
+                </a:solidFill>
+                <a:effectLst/>
+                <a:latin typeface="Helvetica Neue"/>
+                <a:cs typeface="Helvetica Neue"/>
+              </a:rPr>
+              <a:t>EMR</a:t>
+            </a:r>
+            <a:r>
+              <a:rPr lang="en-GB" sz="2400" b="0" i="0" dirty="0">
+                <a:solidFill>
+                  <a:schemeClr val="bg1"/>
+                </a:solidFill>
+                <a:effectLst/>
+                <a:latin typeface="Helvetica Neue"/>
+                <a:cs typeface="Helvetica Neue"/>
+              </a:rPr>
+              <a:t> captures information from a single care provider, which is only available to that one care provider. However, </a:t>
+            </a:r>
+            <a:r>
+              <a:rPr lang="en-GB" sz="2400" b="0" i="0" dirty="0" err="1">
+                <a:solidFill>
+                  <a:schemeClr val="bg1"/>
+                </a:solidFill>
+                <a:effectLst/>
+                <a:latin typeface="Helvetica Neue"/>
+                <a:cs typeface="Helvetica Neue"/>
+              </a:rPr>
+              <a:t>EHRs</a:t>
+            </a:r>
+            <a:r>
+              <a:rPr lang="en-GB" sz="2400" b="0" i="0" dirty="0">
+                <a:solidFill>
+                  <a:schemeClr val="bg1"/>
+                </a:solidFill>
+                <a:effectLst/>
+                <a:latin typeface="Helvetica Neue"/>
+                <a:cs typeface="Helvetica Neue"/>
+              </a:rPr>
+              <a:t> are designed to be used by multiple care providers and healthcare organizations.</a:t>
+            </a:r>
+            <a:r>
+              <a:rPr lang="ar-JO" sz="2400" b="0" i="0" dirty="0">
+                <a:solidFill>
+                  <a:schemeClr val="bg1"/>
+                </a:solidFill>
+                <a:effectLst/>
+                <a:cs typeface="Helvetica Neue"/>
+              </a:rPr>
+              <a:t> </a:t>
+            </a:r>
+          </a:p>
+          <a:p>
+            <a:br>
+              <a:rPr lang="en-GB" sz="2400" b="0" i="0" dirty="0">
+                <a:solidFill>
+                  <a:schemeClr val="bg1"/>
+                </a:solidFill>
+                <a:effectLst/>
+                <a:latin typeface="Helvetica Neue"/>
+              </a:rPr>
+            </a:br>
+            <a:endParaRPr lang="en-GB" sz="2400" dirty="0">
+              <a:solidFill>
+                <a:schemeClr val="bg1"/>
+              </a:solidFill>
+            </a:endParaRPr>
+          </a:p>
+        </p:txBody>
+      </p:sp>
+    </p:spTree>
+    <p:extLst>
+      <p:ext uri="{BB962C8B-B14F-4D97-AF65-F5344CB8AC3E}">
+        <p14:creationId xmlns:p14="http://schemas.microsoft.com/office/powerpoint/2010/main" val="2500020391"/>
+      </p:ext>
+    </p:extLst>
+  </p:cSld>
+  <p:clrMapOvr>
+    <a:masterClrMapping/>
+  </p:clrMapOvr>
+</p:sld>
+</file>
+
+<file path=ppt/slides/slide5.xml><?xml version="1.0" encoding="utf-8"?>
 <p:sld xmlns:a="http://schemas.openxmlformats.org/drawingml/2006/main" xmlns:r="http://schemas.openxmlformats.org/officeDocument/2006/relationships" xmlns:p="http://schemas.openxmlformats.org/presentationml/2006/main">
   <p:cSld>
     <p:bg>
@@ -7651,7 +7954,7 @@
 </p:sld>
 </file>
 
-<file path=ppt/slides/slide5.xml><?xml version="1.0" encoding="utf-8"?>
+<file path=ppt/slides/slide6.xml><?xml version="1.0" encoding="utf-8"?>
 <p:sld xmlns:a="http://schemas.openxmlformats.org/drawingml/2006/main" xmlns:r="http://schemas.openxmlformats.org/officeDocument/2006/relationships" xmlns:p="http://schemas.openxmlformats.org/presentationml/2006/main">
   <p:cSld>
     <p:bg>
@@ -7844,7 +8147,7 @@
         </p:nvSpPr>
         <p:spPr>
           <a:xfrm>
-            <a:off x="467700" y="2879948"/>
+            <a:off x="505800" y="2719928"/>
             <a:ext cx="5303520" cy="2185214"/>
           </a:xfrm>
           <a:prstGeom prst="rect">
@@ -7930,7 +8233,7 @@
 </p:sld>
 </file>
 
-<file path=ppt/slides/slide6.xml><?xml version="1.0" encoding="utf-8"?>
+<file path=ppt/slides/slide7.xml><?xml version="1.0" encoding="utf-8"?>
 <p:sld xmlns:a="http://schemas.openxmlformats.org/drawingml/2006/main" xmlns:r="http://schemas.openxmlformats.org/officeDocument/2006/relationships" xmlns:p="http://schemas.openxmlformats.org/presentationml/2006/main">
   <p:cSld>
     <p:bg>
@@ -8099,7 +8402,7 @@
 </p:sld>
 </file>
 
-<file path=ppt/slides/slide7.xml><?xml version="1.0" encoding="utf-8"?>
+<file path=ppt/slides/slide8.xml><?xml version="1.0" encoding="utf-8"?>
 <p:sld xmlns:a="http://schemas.openxmlformats.org/drawingml/2006/main" xmlns:r="http://schemas.openxmlformats.org/officeDocument/2006/relationships" xmlns:p="http://schemas.openxmlformats.org/presentationml/2006/main">
   <p:cSld>
     <p:spTree>
@@ -8138,7 +8441,7 @@
         </p:blipFill>
         <p:spPr>
           <a:xfrm>
-            <a:off x="0" y="1166"/>
+            <a:off x="0" y="11326"/>
             <a:ext cx="9144000" cy="5141167"/>
           </a:xfrm>
           <a:prstGeom prst="rect">
@@ -8189,7 +8492,7 @@
 </p:sld>
 </file>
 
-<file path=ppt/slides/slide8.xml><?xml version="1.0" encoding="utf-8"?>
+<file path=ppt/slides/slide9.xml><?xml version="1.0" encoding="utf-8"?>
 <p:sld xmlns:a="http://schemas.openxmlformats.org/drawingml/2006/main" xmlns:r="http://schemas.openxmlformats.org/officeDocument/2006/relationships" xmlns:p="http://schemas.openxmlformats.org/presentationml/2006/main">
   <p:cSld>
     <p:spTree>
@@ -8335,83 +8638,6 @@
         </p:txBody>
       </p:sp>
     </p:spTree>
-  </p:cSld>
-  <p:clrMapOvr>
-    <a:masterClrMapping/>
-  </p:clrMapOvr>
-</p:sld>
-</file>
-
-<file path=ppt/slides/slide9.xml><?xml version="1.0" encoding="utf-8"?>
-<p:sld xmlns:a="http://schemas.openxmlformats.org/drawingml/2006/main" xmlns:r="http://schemas.openxmlformats.org/officeDocument/2006/relationships" xmlns:p="http://schemas.openxmlformats.org/presentationml/2006/main">
-  <p:cSld>
-    <p:spTree>
-      <p:nvGrpSpPr>
-        <p:cNvPr id="1" name=""/>
-        <p:cNvGrpSpPr/>
-        <p:nvPr/>
-      </p:nvGrpSpPr>
-      <p:grpSpPr>
-        <a:xfrm>
-          <a:off x="0" y="0"/>
-          <a:ext cx="0" cy="0"/>
-          <a:chOff x="0" y="0"/>
-          <a:chExt cx="0" cy="0"/>
-        </a:xfrm>
-      </p:grpSpPr>
-      <p:pic>
-        <p:nvPicPr>
-          <p:cNvPr id="4098" name="Picture 2" descr="Cloud-Based Architecture to Implement Electronic Health Record (EHR) System  in Pakistan | Semantic Scholar">
-            <a:extLst>
-              <a:ext uri="{FF2B5EF4-FFF2-40B4-BE49-F238E27FC236}">
-                <a16:creationId xmlns:a16="http://schemas.microsoft.com/office/drawing/2014/main" id="{59EB747F-35B2-5EC8-DC8F-C78AF0EDFCF5}"/>
-              </a:ext>
-            </a:extLst>
-          </p:cNvPr>
-          <p:cNvPicPr>
-            <a:picLocks noChangeAspect="1" noChangeArrowheads="1"/>
-          </p:cNvPicPr>
-          <p:nvPr/>
-        </p:nvPicPr>
-        <p:blipFill>
-          <a:blip r:embed="rId2">
-            <a:extLst>
-              <a:ext uri="{28A0092B-C50C-407E-A947-70E740481C1C}">
-                <a14:useLocalDpi xmlns:a14="http://schemas.microsoft.com/office/drawing/2010/main" val="0"/>
-              </a:ext>
-            </a:extLst>
-          </a:blip>
-          <a:srcRect/>
-          <a:stretch>
-            <a:fillRect/>
-          </a:stretch>
-        </p:blipFill>
-        <p:spPr bwMode="auto">
-          <a:xfrm>
-            <a:off x="0" y="0"/>
-            <a:ext cx="9144000" cy="5143499"/>
-          </a:xfrm>
-          <a:prstGeom prst="rect">
-            <a:avLst/>
-          </a:prstGeom>
-          <a:noFill/>
-          <a:extLst>
-            <a:ext uri="{909E8E84-426E-40DD-AFC4-6F175D3DCCD1}">
-              <a14:hiddenFill xmlns:a14="http://schemas.microsoft.com/office/drawing/2010/main">
-                <a:solidFill>
-                  <a:srgbClr val="FFFFFF"/>
-                </a:solidFill>
-              </a14:hiddenFill>
-            </a:ext>
-          </a:extLst>
-        </p:spPr>
-      </p:pic>
-    </p:spTree>
-    <p:extLst>
-      <p:ext uri="{BB962C8B-B14F-4D97-AF65-F5344CB8AC3E}">
-        <p14:creationId xmlns:p14="http://schemas.microsoft.com/office/powerpoint/2010/main" val="2493732195"/>
-      </p:ext>
-    </p:extLst>
   </p:cSld>
   <p:clrMapOvr>
     <a:masterClrMapping/>
@@ -9263,20 +9489,20 @@
 </file>
 
 <file path=customXml/item1.xml><?xml version="1.0" encoding="utf-8"?>
+<p:properties xmlns:p="http://schemas.microsoft.com/office/2006/metadata/properties" xmlns:xsi="http://www.w3.org/2001/XMLSchema-instance" xmlns:pc="http://schemas.microsoft.com/office/infopath/2007/PartnerControls">
+  <documentManagement>
+    <_activity xmlns="1ff4c35d-dc87-43cc-97e3-e5f904b9685a" xsi:nil="true"/>
+  </documentManagement>
+</p:properties>
+</file>
+
+<file path=customXml/item2.xml><?xml version="1.0" encoding="utf-8"?>
 <?mso-contentType ?>
 <FormTemplates xmlns="http://schemas.microsoft.com/sharepoint/v3/contenttype/forms">
   <Display>DocumentLibraryForm</Display>
   <Edit>DocumentLibraryForm</Edit>
   <New>DocumentLibraryForm</New>
 </FormTemplates>
-</file>
-
-<file path=customXml/item2.xml><?xml version="1.0" encoding="utf-8"?>
-<p:properties xmlns:p="http://schemas.microsoft.com/office/2006/metadata/properties" xmlns:xsi="http://www.w3.org/2001/XMLSchema-instance" xmlns:pc="http://schemas.microsoft.com/office/infopath/2007/PartnerControls">
-  <documentManagement>
-    <_activity xmlns="1ff4c35d-dc87-43cc-97e3-e5f904b9685a" xsi:nil="true"/>
-  </documentManagement>
-</p:properties>
 </file>
 
 <file path=customXml/item3.xml><?xml version="1.0" encoding="utf-8"?>
@@ -9463,14 +9689,6 @@
 </file>
 
 <file path=customXml/itemProps1.xml><?xml version="1.0" encoding="utf-8"?>
-<ds:datastoreItem xmlns:ds="http://schemas.openxmlformats.org/officeDocument/2006/customXml" ds:itemID="{862BA373-168E-44BF-A3A8-0FD6B22AC071}">
-  <ds:schemaRefs>
-    <ds:schemaRef ds:uri="http://schemas.microsoft.com/sharepoint/v3/contenttype/forms"/>
-  </ds:schemaRefs>
-</ds:datastoreItem>
-</file>
-
-<file path=customXml/itemProps2.xml><?xml version="1.0" encoding="utf-8"?>
 <ds:datastoreItem xmlns:ds="http://schemas.openxmlformats.org/officeDocument/2006/customXml" ds:itemID="{9EB49B71-7FBD-41D8-BDA6-562869C10AF0}">
   <ds:schemaRefs>
     <ds:schemaRef ds:uri="639bb8fc-87c5-4780-a6bc-73749e7de743"/>
@@ -9483,6 +9701,14 @@
     <ds:schemaRef ds:uri="http://schemas.microsoft.com/office/infopath/2007/PartnerControls"/>
     <ds:schemaRef ds:uri="1ff4c35d-dc87-43cc-97e3-e5f904b9685a"/>
     <ds:schemaRef ds:uri="http://www.w3.org/XML/1998/namespace"/>
+  </ds:schemaRefs>
+</ds:datastoreItem>
+</file>
+
+<file path=customXml/itemProps2.xml><?xml version="1.0" encoding="utf-8"?>
+<ds:datastoreItem xmlns:ds="http://schemas.openxmlformats.org/officeDocument/2006/customXml" ds:itemID="{862BA373-168E-44BF-A3A8-0FD6B22AC071}">
+  <ds:schemaRefs>
+    <ds:schemaRef ds:uri="http://schemas.microsoft.com/sharepoint/v3/contenttype/forms"/>
   </ds:schemaRefs>
 </ds:datastoreItem>
 </file>
